--- a/SmartSchool/smartschoolpresentation3.pptx
+++ b/SmartSchool/smartschoolpresentation3.pptx
@@ -11,6 +11,8 @@
     <p:sldId id="262" r:id="rId5"/>
     <p:sldId id="261" r:id="rId6"/>
     <p:sldId id="263" r:id="rId7"/>
+    <p:sldId id="264" r:id="rId8"/>
+    <p:sldId id="265" r:id="rId9"/>
   </p:sldIdLst>
   <p:sldSz cx="12192000" cy="6858000"/>
   <p:notesSz cx="6858000" cy="9144000"/>
@@ -520,7 +522,7 @@
           <a:p>
             <a:fld id="{83284890-85D2-4D7B-8EF5-15A9C1DB8F42}" type="datetimeFigureOut">
               <a:rPr lang="en-US" dirty="0"/>
-              <a:t>2/17/2024</a:t>
+              <a:t>2/18/2024</a:t>
             </a:fld>
             <a:endParaRPr lang="en-US" dirty="0"/>
           </a:p>
@@ -695,7 +697,7 @@
           <a:p>
             <a:fld id="{87157CC2-0FC8-4686-B024-99790E0F5162}" type="datetimeFigureOut">
               <a:rPr lang="en-US" dirty="0"/>
-              <a:t>2/17/2024</a:t>
+              <a:t>2/18/2024</a:t>
             </a:fld>
             <a:endParaRPr lang="en-US" dirty="0"/>
           </a:p>
@@ -870,7 +872,7 @@
           <a:p>
             <a:fld id="{F6764DA5-CD3D-4590-A511-FCD3BC7A793E}" type="datetimeFigureOut">
               <a:rPr lang="en-US" dirty="0"/>
-              <a:t>2/17/2024</a:t>
+              <a:t>2/18/2024</a:t>
             </a:fld>
             <a:endParaRPr lang="en-US" dirty="0"/>
           </a:p>
@@ -1035,7 +1037,7 @@
           <a:p>
             <a:fld id="{82F5661D-6934-4B32-B92C-470368BF1EC6}" type="datetimeFigureOut">
               <a:rPr lang="en-US" dirty="0"/>
-              <a:t>2/17/2024</a:t>
+              <a:t>2/18/2024</a:t>
             </a:fld>
             <a:endParaRPr lang="en-US" dirty="0"/>
           </a:p>
@@ -1343,7 +1345,7 @@
           <a:p>
             <a:fld id="{C6F822A4-8DA6-4447-9B1F-C5DB58435268}" type="datetimeFigureOut">
               <a:rPr lang="en-US" dirty="0"/>
-              <a:t>2/17/2024</a:t>
+              <a:t>2/18/2024</a:t>
             </a:fld>
             <a:endParaRPr lang="en-US" dirty="0"/>
           </a:p>
@@ -1725,7 +1727,7 @@
           <a:p>
             <a:fld id="{E548D31E-DCDA-41A7-9C67-C4B11B94D21D}" type="datetimeFigureOut">
               <a:rPr lang="en-US" dirty="0"/>
-              <a:t>2/17/2024</a:t>
+              <a:t>2/18/2024</a:t>
             </a:fld>
             <a:endParaRPr lang="en-US" dirty="0"/>
           </a:p>
@@ -2154,7 +2156,7 @@
           <a:p>
             <a:fld id="{9B3762C0-B258-48F1-ADE6-176B4174CCDD}" type="datetimeFigureOut">
               <a:rPr lang="en-US" dirty="0"/>
-              <a:t>2/17/2024</a:t>
+              <a:t>2/18/2024</a:t>
             </a:fld>
             <a:endParaRPr lang="en-US" dirty="0"/>
           </a:p>
@@ -2267,7 +2269,7 @@
           <a:p>
             <a:fld id="{677919A6-33EB-49BD-A62F-1FA56B9F9712}" type="datetimeFigureOut">
               <a:rPr lang="en-US" dirty="0"/>
-              <a:t>2/17/2024</a:t>
+              <a:t>2/18/2024</a:t>
             </a:fld>
             <a:endParaRPr lang="en-US" dirty="0"/>
           </a:p>
@@ -2357,7 +2359,7 @@
           <a:p>
             <a:fld id="{CA4E7D1B-D673-4CF6-8672-009D42ABD2A0}" type="datetimeFigureOut">
               <a:rPr lang="en-US" dirty="0"/>
-              <a:t>2/17/2024</a:t>
+              <a:t>2/18/2024</a:t>
             </a:fld>
             <a:endParaRPr lang="en-US" dirty="0"/>
           </a:p>
@@ -2702,7 +2704,7 @@
           <a:p>
             <a:fld id="{DA16AA21-1863-4931-97CB-99D0A168701B}" type="datetimeFigureOut">
               <a:rPr lang="en-US" dirty="0"/>
-              <a:t>2/17/2024</a:t>
+              <a:t>2/18/2024</a:t>
             </a:fld>
             <a:endParaRPr lang="en-US" dirty="0"/>
           </a:p>
@@ -3122,7 +3124,7 @@
           <a:p>
             <a:fld id="{3772C379-9A7C-4C87-A116-CBE9F58B04C5}" type="datetimeFigureOut">
               <a:rPr lang="en-US" dirty="0"/>
-              <a:t>2/17/2024</a:t>
+              <a:t>2/18/2024</a:t>
             </a:fld>
             <a:endParaRPr lang="en-US" dirty="0"/>
           </a:p>
@@ -3398,7 +3400,7 @@
           <a:p>
             <a:fld id="{8664C608-40B1-4030-A28D-5B74BC98ADCE}" type="datetimeFigureOut">
               <a:rPr lang="en-US" dirty="0"/>
-              <a:t>2/17/2024</a:t>
+              <a:t>2/18/2024</a:t>
             </a:fld>
             <a:endParaRPr lang="en-US" dirty="0"/>
           </a:p>
@@ -3997,13 +3999,7 @@
               <a:rPr lang="en-US" sz="4000" dirty="0" smtClean="0">
                 <a:latin typeface="+mn-lt"/>
               </a:rPr>
-              <a:t>PRESENTATION </a:t>
-            </a:r>
-            <a:r>
-              <a:rPr lang="en-US" sz="4000" dirty="0" smtClean="0">
-                <a:latin typeface="+mn-lt"/>
-              </a:rPr>
-              <a:t>3</a:t>
+              <a:t>PRESENTATION 3</a:t>
             </a:r>
             <a:endParaRPr lang="en-US" sz="4000" dirty="0">
               <a:latin typeface="+mn-lt"/>
@@ -5591,6 +5587,668 @@
     <p:extLst>
       <p:ext uri="{BB962C8B-B14F-4D97-AF65-F5344CB8AC3E}">
         <p14:creationId xmlns:p14="http://schemas.microsoft.com/office/powerpoint/2010/main" val="3572063793"/>
+      </p:ext>
+    </p:extLst>
+  </p:cSld>
+  <p:clrMapOvr>
+    <a:masterClrMapping/>
+  </p:clrMapOvr>
+</p:sld>
+</file>
+
+<file path=ppt/slides/slide7.xml><?xml version="1.0" encoding="utf-8"?>
+<p:sld xmlns:a="http://schemas.openxmlformats.org/drawingml/2006/main" xmlns:r="http://schemas.openxmlformats.org/officeDocument/2006/relationships" xmlns:p="http://schemas.openxmlformats.org/presentationml/2006/main">
+  <p:cSld>
+    <p:spTree>
+      <p:nvGrpSpPr>
+        <p:cNvPr id="1" name=""/>
+        <p:cNvGrpSpPr/>
+        <p:nvPr/>
+      </p:nvGrpSpPr>
+      <p:grpSpPr>
+        <a:xfrm>
+          <a:off x="0" y="0"/>
+          <a:ext cx="0" cy="0"/>
+          <a:chOff x="0" y="0"/>
+          <a:chExt cx="0" cy="0"/>
+        </a:xfrm>
+      </p:grpSpPr>
+      <p:sp>
+        <p:nvSpPr>
+          <p:cNvPr id="2" name="Title 1"/>
+          <p:cNvSpPr>
+            <a:spLocks noGrp="1"/>
+          </p:cNvSpPr>
+          <p:nvPr>
+            <p:ph type="title"/>
+          </p:nvPr>
+        </p:nvSpPr>
+        <p:spPr>
+          <a:xfrm>
+            <a:off x="1069848" y="484633"/>
+            <a:ext cx="10058400" cy="760844"/>
+          </a:xfrm>
+        </p:spPr>
+        <p:txBody>
+          <a:bodyPr>
+            <a:normAutofit/>
+          </a:bodyPr>
+          <a:lstStyle/>
+          <a:p>
+            <a:r>
+              <a:rPr lang="en-US" sz="3600" dirty="0" smtClean="0"/>
+              <a:t>IMPLEMENTATION OF A SOLUTION</a:t>
+            </a:r>
+            <a:endParaRPr lang="en-US" sz="3600" dirty="0"/>
+          </a:p>
+        </p:txBody>
+      </p:sp>
+      <p:sp>
+        <p:nvSpPr>
+          <p:cNvPr id="3" name="Content Placeholder 2"/>
+          <p:cNvSpPr>
+            <a:spLocks noGrp="1"/>
+          </p:cNvSpPr>
+          <p:nvPr>
+            <p:ph idx="1"/>
+          </p:nvPr>
+        </p:nvSpPr>
+        <p:spPr>
+          <a:xfrm>
+            <a:off x="1069848" y="1380428"/>
+            <a:ext cx="10058400" cy="5036137"/>
+          </a:xfrm>
+        </p:spPr>
+        <p:txBody>
+          <a:bodyPr>
+            <a:normAutofit fontScale="92500" lnSpcReduction="10000"/>
+          </a:bodyPr>
+          <a:lstStyle/>
+          <a:p>
+            <a:endParaRPr lang="en-US" dirty="0" smtClean="0">
+              <a:solidFill>
+                <a:srgbClr val="7030A0"/>
+              </a:solidFill>
+            </a:endParaRPr>
+          </a:p>
+          <a:p>
+            <a:r>
+              <a:rPr lang="en-US" sz="2400" dirty="0" smtClean="0">
+                <a:solidFill>
+                  <a:srgbClr val="7030A0"/>
+                </a:solidFill>
+              </a:rPr>
+              <a:t>AFTER SELECTING ONE SOLUTION, THE SOLUTION CAN BE IMPLEMENTED WITH A COMPUTER</a:t>
+            </a:r>
+            <a:r>
+              <a:rPr lang="en-US" sz="2400" dirty="0" smtClean="0"/>
+              <a:t>.</a:t>
+            </a:r>
+          </a:p>
+          <a:p>
+            <a:endParaRPr lang="en-US" sz="2400" dirty="0" smtClean="0"/>
+          </a:p>
+          <a:p>
+            <a:r>
+              <a:rPr lang="en-US" sz="2400" dirty="0" smtClean="0">
+                <a:solidFill>
+                  <a:srgbClr val="7030A0"/>
+                </a:solidFill>
+              </a:rPr>
+              <a:t>CONCEPTUALLY, A SOLUTION TO ANY PROBLEM IS SOME LOGICAL FRAMEWORK OF STEPS</a:t>
+            </a:r>
+          </a:p>
+          <a:p>
+            <a:endParaRPr lang="en-US" sz="2400" dirty="0" smtClean="0">
+              <a:solidFill>
+                <a:srgbClr val="7030A0"/>
+              </a:solidFill>
+            </a:endParaRPr>
+          </a:p>
+          <a:p>
+            <a:r>
+              <a:rPr lang="en-US" sz="2400" dirty="0" smtClean="0">
+                <a:solidFill>
+                  <a:srgbClr val="7030A0"/>
+                </a:solidFill>
+              </a:rPr>
+              <a:t>EACH STEP IS APPLIED BY PERFORMING CERTAIN  OPERATIONS SUCH AS CALCULATION, COMPARISON, INPUT, OUTPUT, ETC.</a:t>
+            </a:r>
+          </a:p>
+          <a:p>
+            <a:r>
+              <a:rPr lang="en-US" sz="2400" dirty="0" smtClean="0">
+                <a:solidFill>
+                  <a:srgbClr val="7030A0"/>
+                </a:solidFill>
+              </a:rPr>
+              <a:t>DEFINITION OF ALGORITHM:</a:t>
+            </a:r>
+            <a:r>
+              <a:rPr lang="en-US" sz="2400" dirty="0" smtClean="0"/>
+              <a:t> </a:t>
+            </a:r>
+          </a:p>
+          <a:p>
+            <a:pPr lvl="1"/>
+            <a:r>
+              <a:rPr lang="en-US" i="1" dirty="0" smtClean="0">
+                <a:solidFill>
+                  <a:srgbClr val="C00000"/>
+                </a:solidFill>
+              </a:rPr>
+              <a:t>AN </a:t>
+            </a:r>
+            <a:r>
+              <a:rPr lang="en-US" i="1" dirty="0">
+                <a:solidFill>
+                  <a:srgbClr val="C00000"/>
+                </a:solidFill>
+              </a:rPr>
+              <a:t>ALGORITHM IS A </a:t>
+            </a:r>
+            <a:r>
+              <a:rPr lang="en-US" i="1" dirty="0" smtClean="0">
+                <a:solidFill>
+                  <a:srgbClr val="C00000"/>
+                </a:solidFill>
+              </a:rPr>
+              <a:t>LOGICAL REPRESENTATION OF STEPS</a:t>
+            </a:r>
+            <a:r>
+              <a:rPr lang="en-US" i="1" dirty="0" smtClean="0"/>
+              <a:t> FOR SOLVING A PROBLEM.</a:t>
+            </a:r>
+          </a:p>
+          <a:p>
+            <a:pPr lvl="1"/>
+            <a:r>
+              <a:rPr lang="en-US" i="1" dirty="0" smtClean="0"/>
+              <a:t>AN </a:t>
+            </a:r>
+            <a:r>
+              <a:rPr lang="en-US" i="1" dirty="0" smtClean="0">
+                <a:solidFill>
+                  <a:srgbClr val="C00000"/>
+                </a:solidFill>
+              </a:rPr>
+              <a:t>ALGORITHM </a:t>
+            </a:r>
+            <a:r>
+              <a:rPr lang="en-US" i="1" dirty="0" smtClean="0"/>
+              <a:t>IS</a:t>
+            </a:r>
+            <a:r>
+              <a:rPr lang="en-US" i="1" dirty="0" smtClean="0">
+                <a:solidFill>
+                  <a:srgbClr val="C00000"/>
+                </a:solidFill>
+              </a:rPr>
+              <a:t> MORE </a:t>
+            </a:r>
+            <a:r>
+              <a:rPr lang="en-US" i="1" dirty="0">
+                <a:solidFill>
+                  <a:srgbClr val="C00000"/>
+                </a:solidFill>
+              </a:rPr>
+              <a:t>EXACT AND CLEAR </a:t>
+            </a:r>
+            <a:r>
+              <a:rPr lang="en-US" i="1" dirty="0" smtClean="0">
+                <a:solidFill>
+                  <a:srgbClr val="C00000"/>
+                </a:solidFill>
+              </a:rPr>
+              <a:t>THAN A SOLUTION</a:t>
+            </a:r>
+            <a:r>
+              <a:rPr lang="en-US" i="1" dirty="0" smtClean="0"/>
+              <a:t> OR STRATEGY FOR SOLVING THE PROBLEM.</a:t>
+            </a:r>
+          </a:p>
+          <a:p>
+            <a:pPr lvl="1"/>
+            <a:r>
+              <a:rPr lang="en-US" i="1" dirty="0" smtClean="0"/>
+              <a:t>THE </a:t>
+            </a:r>
+            <a:r>
+              <a:rPr lang="en-US" i="1" dirty="0" smtClean="0">
+                <a:solidFill>
+                  <a:srgbClr val="C00000"/>
+                </a:solidFill>
+              </a:rPr>
+              <a:t>TEXT OF A COMPUTER ALGORITHM</a:t>
+            </a:r>
+            <a:r>
+              <a:rPr lang="en-US" i="1" dirty="0" smtClean="0">
+                <a:solidFill>
+                  <a:srgbClr val="FF0000"/>
+                </a:solidFill>
+              </a:rPr>
+              <a:t> </a:t>
+            </a:r>
+            <a:r>
+              <a:rPr lang="en-US" i="1" dirty="0" smtClean="0"/>
+              <a:t>IS </a:t>
+            </a:r>
+            <a:r>
+              <a:rPr lang="en-US" i="1" dirty="0" smtClean="0">
+                <a:solidFill>
+                  <a:srgbClr val="C00000"/>
+                </a:solidFill>
+              </a:rPr>
+              <a:t>BASED ON PSUEDO CODE </a:t>
+            </a:r>
+            <a:r>
+              <a:rPr lang="en-US" i="1" dirty="0" smtClean="0"/>
+              <a:t>WHICH </a:t>
+            </a:r>
+            <a:r>
+              <a:rPr lang="en-US" i="1" dirty="0" smtClean="0">
+                <a:solidFill>
+                  <a:srgbClr val="C00000"/>
+                </a:solidFill>
+              </a:rPr>
+              <a:t>LOOKS LIKE</a:t>
+            </a:r>
+            <a:r>
+              <a:rPr lang="en-US" i="1" dirty="0" smtClean="0"/>
+              <a:t> THE INSTRUCTIONS OF ANY </a:t>
+            </a:r>
+            <a:r>
+              <a:rPr lang="en-US" i="1" dirty="0" smtClean="0">
+                <a:solidFill>
+                  <a:srgbClr val="C00000"/>
+                </a:solidFill>
+              </a:rPr>
+              <a:t>COMPUTER PROGRAM</a:t>
+            </a:r>
+            <a:r>
+              <a:rPr lang="en-US" i="1" dirty="0" smtClean="0"/>
+              <a:t>.   </a:t>
+            </a:r>
+          </a:p>
+        </p:txBody>
+      </p:sp>
+    </p:spTree>
+    <p:extLst>
+      <p:ext uri="{BB962C8B-B14F-4D97-AF65-F5344CB8AC3E}">
+        <p14:creationId xmlns:p14="http://schemas.microsoft.com/office/powerpoint/2010/main" val="1546725541"/>
+      </p:ext>
+    </p:extLst>
+  </p:cSld>
+  <p:clrMapOvr>
+    <a:masterClrMapping/>
+  </p:clrMapOvr>
+</p:sld>
+</file>
+
+<file path=ppt/slides/slide8.xml><?xml version="1.0" encoding="utf-8"?>
+<p:sld xmlns:a="http://schemas.openxmlformats.org/drawingml/2006/main" xmlns:r="http://schemas.openxmlformats.org/officeDocument/2006/relationships" xmlns:p="http://schemas.openxmlformats.org/presentationml/2006/main">
+  <p:cSld>
+    <p:spTree>
+      <p:nvGrpSpPr>
+        <p:cNvPr id="1" name=""/>
+        <p:cNvGrpSpPr/>
+        <p:nvPr/>
+      </p:nvGrpSpPr>
+      <p:grpSpPr>
+        <a:xfrm>
+          <a:off x="0" y="0"/>
+          <a:ext cx="0" cy="0"/>
+          <a:chOff x="0" y="0"/>
+          <a:chExt cx="0" cy="0"/>
+        </a:xfrm>
+      </p:grpSpPr>
+      <p:sp>
+        <p:nvSpPr>
+          <p:cNvPr id="2" name="Title 1"/>
+          <p:cNvSpPr>
+            <a:spLocks noGrp="1"/>
+          </p:cNvSpPr>
+          <p:nvPr>
+            <p:ph type="title"/>
+          </p:nvPr>
+        </p:nvSpPr>
+        <p:spPr>
+          <a:xfrm>
+            <a:off x="1069848" y="484632"/>
+            <a:ext cx="10058400" cy="1060389"/>
+          </a:xfrm>
+        </p:spPr>
+        <p:txBody>
+          <a:bodyPr>
+            <a:normAutofit/>
+          </a:bodyPr>
+          <a:lstStyle/>
+          <a:p>
+            <a:r>
+              <a:rPr lang="en-US" sz="3600" dirty="0" smtClean="0"/>
+              <a:t>STEPS OF IMPLEMENTATION</a:t>
+            </a:r>
+            <a:endParaRPr lang="en-US" sz="3600" dirty="0"/>
+          </a:p>
+        </p:txBody>
+      </p:sp>
+      <p:sp>
+        <p:nvSpPr>
+          <p:cNvPr id="3" name="Content Placeholder 2"/>
+          <p:cNvSpPr>
+            <a:spLocks noGrp="1"/>
+          </p:cNvSpPr>
+          <p:nvPr>
+            <p:ph idx="1"/>
+          </p:nvPr>
+        </p:nvSpPr>
+        <p:spPr>
+          <a:xfrm>
+            <a:off x="1069848" y="1371600"/>
+            <a:ext cx="10058400" cy="5376041"/>
+          </a:xfrm>
+        </p:spPr>
+        <p:txBody>
+          <a:bodyPr>
+            <a:normAutofit lnSpcReduction="10000"/>
+          </a:bodyPr>
+          <a:lstStyle/>
+          <a:p>
+            <a:endParaRPr lang="en-US" dirty="0" smtClean="0"/>
+          </a:p>
+          <a:p>
+            <a:pPr marL="0" indent="0">
+              <a:buNone/>
+            </a:pPr>
+            <a:r>
+              <a:rPr lang="en-US" sz="2400" dirty="0" smtClean="0"/>
+              <a:t>A </a:t>
+            </a:r>
+            <a:r>
+              <a:rPr lang="en-US" sz="2400" dirty="0">
+                <a:solidFill>
+                  <a:srgbClr val="7030A0"/>
+                </a:solidFill>
+              </a:rPr>
+              <a:t>COMPUTER </a:t>
+            </a:r>
+            <a:r>
+              <a:rPr lang="en-US" sz="2400" dirty="0" smtClean="0">
+                <a:solidFill>
+                  <a:srgbClr val="7030A0"/>
+                </a:solidFill>
+              </a:rPr>
+              <a:t>CAN BE USED TO IMPLEMENT A </a:t>
+            </a:r>
+            <a:r>
+              <a:rPr lang="en-US" sz="2400" dirty="0">
+                <a:solidFill>
+                  <a:srgbClr val="7030A0"/>
+                </a:solidFill>
+              </a:rPr>
+              <a:t>SOLUTION </a:t>
+            </a:r>
+            <a:r>
+              <a:rPr lang="en-US" sz="2400" dirty="0" smtClean="0"/>
+              <a:t>IN </a:t>
+            </a:r>
+            <a:r>
+              <a:rPr lang="en-US" sz="2400" dirty="0"/>
+              <a:t>THE FOLLOWING MANNER</a:t>
+            </a:r>
+            <a:r>
+              <a:rPr lang="en-US" sz="2400" dirty="0" smtClean="0"/>
+              <a:t>:</a:t>
+            </a:r>
+          </a:p>
+          <a:p>
+            <a:pPr lvl="1"/>
+            <a:r>
+              <a:rPr lang="en-US" sz="2000" dirty="0" smtClean="0">
+                <a:solidFill>
+                  <a:srgbClr val="7030A0"/>
+                </a:solidFill>
+              </a:rPr>
+              <a:t>STEP 1: CONVERT </a:t>
+            </a:r>
+            <a:r>
+              <a:rPr lang="en-US" sz="2000" dirty="0">
+                <a:solidFill>
+                  <a:srgbClr val="7030A0"/>
+                </a:solidFill>
+              </a:rPr>
+              <a:t>THE LOGICAL STEPS OF THE SOLUTION INTO A PROPER ALGORITHM. </a:t>
+            </a:r>
+            <a:endParaRPr lang="en-US" sz="2000" dirty="0" smtClean="0">
+              <a:solidFill>
+                <a:srgbClr val="7030A0"/>
+              </a:solidFill>
+            </a:endParaRPr>
+          </a:p>
+          <a:p>
+            <a:pPr lvl="1"/>
+            <a:endParaRPr lang="en-US" sz="2000" dirty="0"/>
+          </a:p>
+          <a:p>
+            <a:pPr lvl="1"/>
+            <a:r>
+              <a:rPr lang="en-US" sz="2000" dirty="0" smtClean="0">
+                <a:solidFill>
+                  <a:srgbClr val="7030A0"/>
+                </a:solidFill>
+              </a:rPr>
+              <a:t>STEP 2: CONSTRUCT </a:t>
+            </a:r>
+            <a:r>
+              <a:rPr lang="en-US" sz="2000" dirty="0">
+                <a:solidFill>
+                  <a:srgbClr val="7030A0"/>
+                </a:solidFill>
+              </a:rPr>
+              <a:t>A COMPUTER PROGRAM BASED ON THE ALGORITHM</a:t>
+            </a:r>
+            <a:r>
+              <a:rPr lang="en-US" sz="2000" dirty="0" smtClean="0"/>
+              <a:t>.</a:t>
+            </a:r>
+          </a:p>
+          <a:p>
+            <a:pPr lvl="2"/>
+            <a:r>
+              <a:rPr lang="en-US" sz="1800" dirty="0" smtClean="0"/>
+              <a:t>A </a:t>
+            </a:r>
+            <a:r>
+              <a:rPr lang="en-US" sz="1800" dirty="0" smtClean="0">
+                <a:solidFill>
+                  <a:srgbClr val="7030A0"/>
+                </a:solidFill>
+              </a:rPr>
+              <a:t>COMPUTER PROGRAM</a:t>
+            </a:r>
+            <a:r>
+              <a:rPr lang="en-US" sz="1800" dirty="0" smtClean="0"/>
+              <a:t> IS THE </a:t>
+            </a:r>
+            <a:r>
+              <a:rPr lang="en-US" sz="1800" dirty="0" smtClean="0">
+                <a:solidFill>
+                  <a:srgbClr val="7030A0"/>
+                </a:solidFill>
+              </a:rPr>
+              <a:t>INSTRUCTIONS </a:t>
+            </a:r>
+            <a:r>
+              <a:rPr lang="en-US" sz="1800" dirty="0" smtClean="0"/>
+              <a:t>IN SOME </a:t>
+            </a:r>
+            <a:r>
+              <a:rPr lang="en-US" sz="1800" dirty="0" smtClean="0">
+                <a:solidFill>
+                  <a:srgbClr val="7030A0"/>
+                </a:solidFill>
+              </a:rPr>
+              <a:t>HIGH-LEVEL PROGRAMMING LANGUAGE</a:t>
+            </a:r>
+            <a:r>
+              <a:rPr lang="en-US" sz="1800" dirty="0" smtClean="0"/>
+              <a:t> SUCH AS C, C++, JAVA, PYTHON ETC.</a:t>
+            </a:r>
+          </a:p>
+          <a:p>
+            <a:pPr marL="548640" lvl="2" indent="0">
+              <a:buNone/>
+            </a:pPr>
+            <a:endParaRPr lang="en-US" sz="1800" dirty="0"/>
+          </a:p>
+          <a:p>
+            <a:pPr lvl="1"/>
+            <a:r>
+              <a:rPr lang="en-US" sz="2200" dirty="0" smtClean="0">
+                <a:solidFill>
+                  <a:srgbClr val="7030A0"/>
+                </a:solidFill>
+              </a:rPr>
+              <a:t>STEP 3:</a:t>
+            </a:r>
+            <a:r>
+              <a:rPr lang="en-US" sz="2200" dirty="0" smtClean="0"/>
+              <a:t> USE </a:t>
+            </a:r>
+            <a:r>
+              <a:rPr lang="en-US" sz="2200" dirty="0"/>
+              <a:t>THE COMPUTER TO </a:t>
+            </a:r>
+            <a:r>
+              <a:rPr lang="en-US" sz="2200" dirty="0">
+                <a:solidFill>
+                  <a:srgbClr val="7030A0"/>
+                </a:solidFill>
+              </a:rPr>
+              <a:t>TRANSLATE THE COMPUTER PROGRAM INTO MACHINE </a:t>
+            </a:r>
+            <a:r>
+              <a:rPr lang="en-US" sz="2200" dirty="0" smtClean="0">
+                <a:solidFill>
+                  <a:srgbClr val="7030A0"/>
+                </a:solidFill>
+              </a:rPr>
+              <a:t>INSTRUCTIONS </a:t>
+            </a:r>
+            <a:r>
+              <a:rPr lang="en-US" sz="2200" dirty="0">
+                <a:solidFill>
+                  <a:srgbClr val="7030A0"/>
+                </a:solidFill>
+              </a:rPr>
+              <a:t>(BINARY CODE</a:t>
+            </a:r>
+            <a:r>
+              <a:rPr lang="en-US" sz="2200" dirty="0" smtClean="0">
+                <a:solidFill>
+                  <a:srgbClr val="7030A0"/>
+                </a:solidFill>
+              </a:rPr>
+              <a:t>).</a:t>
+            </a:r>
+          </a:p>
+          <a:p>
+            <a:pPr lvl="1"/>
+            <a:endParaRPr lang="en-US" sz="2000" dirty="0"/>
+          </a:p>
+          <a:p>
+            <a:pPr lvl="1"/>
+            <a:r>
+              <a:rPr lang="en-US" sz="2000" dirty="0" smtClean="0">
+                <a:solidFill>
+                  <a:srgbClr val="7030A0"/>
+                </a:solidFill>
+              </a:rPr>
+              <a:t>STEP 4:</a:t>
+            </a:r>
+            <a:r>
+              <a:rPr lang="en-US" sz="2000" dirty="0" smtClean="0"/>
+              <a:t> </a:t>
+            </a:r>
+            <a:r>
+              <a:rPr lang="en-US" sz="2000" dirty="0" smtClean="0">
+                <a:solidFill>
+                  <a:srgbClr val="7030A0"/>
+                </a:solidFill>
+              </a:rPr>
+              <a:t>RUN </a:t>
+            </a:r>
+            <a:r>
+              <a:rPr lang="en-US" sz="2000" dirty="0">
+                <a:solidFill>
+                  <a:srgbClr val="7030A0"/>
+                </a:solidFill>
+              </a:rPr>
+              <a:t>THE TRANSLATED </a:t>
+            </a:r>
+            <a:r>
+              <a:rPr lang="en-US" sz="2000" dirty="0" smtClean="0">
+                <a:solidFill>
+                  <a:srgbClr val="7030A0"/>
+                </a:solidFill>
+              </a:rPr>
+              <a:t>PROGRAM ON THE COMPUTER.</a:t>
+            </a:r>
+          </a:p>
+          <a:p>
+            <a:pPr lvl="1"/>
+            <a:endParaRPr lang="en-US" sz="2000" dirty="0">
+              <a:solidFill>
+                <a:srgbClr val="7030A0"/>
+              </a:solidFill>
+            </a:endParaRPr>
+          </a:p>
+          <a:p>
+            <a:pPr lvl="1"/>
+            <a:r>
+              <a:rPr lang="en-US" sz="2000" dirty="0" smtClean="0">
+                <a:solidFill>
+                  <a:srgbClr val="7030A0"/>
+                </a:solidFill>
+              </a:rPr>
+              <a:t>STEP 5:</a:t>
+            </a:r>
+            <a:r>
+              <a:rPr lang="en-US" sz="2000" dirty="0" smtClean="0"/>
+              <a:t>  </a:t>
+            </a:r>
+            <a:r>
+              <a:rPr lang="en-US" sz="2000" dirty="0" smtClean="0">
+                <a:solidFill>
+                  <a:srgbClr val="7030A0"/>
+                </a:solidFill>
+              </a:rPr>
+              <a:t>VIEW </a:t>
+            </a:r>
+            <a:r>
+              <a:rPr lang="en-US" sz="2000" dirty="0">
+                <a:solidFill>
+                  <a:srgbClr val="7030A0"/>
+                </a:solidFill>
+              </a:rPr>
+              <a:t>AND CHECK THE RESULTS PRODUCED </a:t>
+            </a:r>
+            <a:r>
+              <a:rPr lang="en-US" sz="2000" dirty="0"/>
+              <a:t>BY THE </a:t>
+            </a:r>
+            <a:r>
+              <a:rPr lang="en-US" sz="2000" dirty="0" smtClean="0"/>
+              <a:t>COMPUTER.</a:t>
+            </a:r>
+            <a:endParaRPr lang="en-US" sz="2000" dirty="0"/>
+          </a:p>
+        </p:txBody>
+      </p:sp>
+    </p:spTree>
+    <p:extLst>
+      <p:ext uri="{BB962C8B-B14F-4D97-AF65-F5344CB8AC3E}">
+        <p14:creationId xmlns:p14="http://schemas.microsoft.com/office/powerpoint/2010/main" val="1195108391"/>
       </p:ext>
     </p:extLst>
   </p:cSld>
